--- a/Projeto Integrador - Aplicação Web Dinâmica/Aula Teste - Projeto Integrador - Aplicação Web Dinâmica.pptx
+++ b/Projeto Integrador - Aplicação Web Dinâmica/Aula Teste - Projeto Integrador - Aplicação Web Dinâmica.pptx
@@ -802,7 +802,7 @@
           <a:p>
             <a:fld id="{39EC7A89-4BCC-461F-ABFD-E20E296413B6}" type="datetimeFigureOut">
               <a:rPr lang="pt-BR" smtClean="0"/>
-              <a:t>03/06/2025</a:t>
+              <a:t>09/06/2025</a:t>
             </a:fld>
             <a:endParaRPr lang="pt-BR"/>
           </a:p>
@@ -5966,7 +5966,7 @@
           <a:p>
             <a:fld id="{C4E04817-A7BF-4D55-934E-B030B4D4F008}" type="datetimeFigureOut">
               <a:rPr lang="pt-BR" smtClean="0"/>
-              <a:t>03/06/2025</a:t>
+              <a:t>09/06/2025</a:t>
             </a:fld>
             <a:endParaRPr lang="pt-BR"/>
           </a:p>
@@ -6164,7 +6164,7 @@
           <a:p>
             <a:fld id="{C4E04817-A7BF-4D55-934E-B030B4D4F008}" type="datetimeFigureOut">
               <a:rPr lang="pt-BR" smtClean="0"/>
-              <a:t>03/06/2025</a:t>
+              <a:t>09/06/2025</a:t>
             </a:fld>
             <a:endParaRPr lang="pt-BR"/>
           </a:p>
@@ -6372,7 +6372,7 @@
           <a:p>
             <a:fld id="{C4E04817-A7BF-4D55-934E-B030B4D4F008}" type="datetimeFigureOut">
               <a:rPr lang="pt-BR" smtClean="0"/>
-              <a:t>03/06/2025</a:t>
+              <a:t>09/06/2025</a:t>
             </a:fld>
             <a:endParaRPr lang="pt-BR"/>
           </a:p>
@@ -6570,7 +6570,7 @@
           <a:p>
             <a:fld id="{C4E04817-A7BF-4D55-934E-B030B4D4F008}" type="datetimeFigureOut">
               <a:rPr lang="pt-BR" smtClean="0"/>
-              <a:t>03/06/2025</a:t>
+              <a:t>09/06/2025</a:t>
             </a:fld>
             <a:endParaRPr lang="pt-BR"/>
           </a:p>
@@ -6845,7 +6845,7 @@
           <a:p>
             <a:fld id="{C4E04817-A7BF-4D55-934E-B030B4D4F008}" type="datetimeFigureOut">
               <a:rPr lang="pt-BR" smtClean="0"/>
-              <a:t>03/06/2025</a:t>
+              <a:t>09/06/2025</a:t>
             </a:fld>
             <a:endParaRPr lang="pt-BR"/>
           </a:p>
@@ -7110,7 +7110,7 @@
           <a:p>
             <a:fld id="{C4E04817-A7BF-4D55-934E-B030B4D4F008}" type="datetimeFigureOut">
               <a:rPr lang="pt-BR" smtClean="0"/>
-              <a:t>03/06/2025</a:t>
+              <a:t>09/06/2025</a:t>
             </a:fld>
             <a:endParaRPr lang="pt-BR"/>
           </a:p>
@@ -7522,7 +7522,7 @@
           <a:p>
             <a:fld id="{C4E04817-A7BF-4D55-934E-B030B4D4F008}" type="datetimeFigureOut">
               <a:rPr lang="pt-BR" smtClean="0"/>
-              <a:t>03/06/2025</a:t>
+              <a:t>09/06/2025</a:t>
             </a:fld>
             <a:endParaRPr lang="pt-BR"/>
           </a:p>
@@ -7663,7 +7663,7 @@
           <a:p>
             <a:fld id="{C4E04817-A7BF-4D55-934E-B030B4D4F008}" type="datetimeFigureOut">
               <a:rPr lang="pt-BR" smtClean="0"/>
-              <a:t>03/06/2025</a:t>
+              <a:t>09/06/2025</a:t>
             </a:fld>
             <a:endParaRPr lang="pt-BR"/>
           </a:p>
@@ -7776,7 +7776,7 @@
           <a:p>
             <a:fld id="{C4E04817-A7BF-4D55-934E-B030B4D4F008}" type="datetimeFigureOut">
               <a:rPr lang="pt-BR" smtClean="0"/>
-              <a:t>03/06/2025</a:t>
+              <a:t>09/06/2025</a:t>
             </a:fld>
             <a:endParaRPr lang="pt-BR"/>
           </a:p>
@@ -8087,7 +8087,7 @@
           <a:p>
             <a:fld id="{C4E04817-A7BF-4D55-934E-B030B4D4F008}" type="datetimeFigureOut">
               <a:rPr lang="pt-BR" smtClean="0"/>
-              <a:t>03/06/2025</a:t>
+              <a:t>09/06/2025</a:t>
             </a:fld>
             <a:endParaRPr lang="pt-BR"/>
           </a:p>
@@ -8375,7 +8375,7 @@
           <a:p>
             <a:fld id="{C4E04817-A7BF-4D55-934E-B030B4D4F008}" type="datetimeFigureOut">
               <a:rPr lang="pt-BR" smtClean="0"/>
-              <a:t>03/06/2025</a:t>
+              <a:t>09/06/2025</a:t>
             </a:fld>
             <a:endParaRPr lang="pt-BR"/>
           </a:p>
@@ -8616,7 +8616,7 @@
           <a:p>
             <a:fld id="{C4E04817-A7BF-4D55-934E-B030B4D4F008}" type="datetimeFigureOut">
               <a:rPr lang="pt-BR" smtClean="0"/>
-              <a:t>03/06/2025</a:t>
+              <a:t>09/06/2025</a:t>
             </a:fld>
             <a:endParaRPr lang="pt-BR"/>
           </a:p>
@@ -10636,6 +10636,36 @@
             <a:off x="336000" y="2602275"/>
             <a:ext cx="11520000" cy="2533505"/>
           </a:xfrm>
+        </p:spPr>
+      </p:pic>
+      <p:pic>
+        <p:nvPicPr>
+          <p:cNvPr id="4" name="Imagem 3">
+            <a:extLst>
+              <a:ext uri="{FF2B5EF4-FFF2-40B4-BE49-F238E27FC236}">
+                <a16:creationId xmlns:a16="http://schemas.microsoft.com/office/drawing/2014/main" id="{F3E5A461-A8D4-604B-7413-AD7EE6B3336F}"/>
+              </a:ext>
+            </a:extLst>
+          </p:cNvPr>
+          <p:cNvPicPr>
+            <a:picLocks noChangeAspect="1"/>
+          </p:cNvPicPr>
+          <p:nvPr/>
+        </p:nvPicPr>
+        <p:blipFill>
+          <a:blip r:embed="rId4"/>
+          <a:stretch>
+            <a:fillRect/>
+          </a:stretch>
+        </p:blipFill>
+        <p:spPr>
+          <a:xfrm>
+            <a:off x="6945396" y="1125597"/>
+            <a:ext cx="4910604" cy="1325562"/>
+          </a:xfrm>
+          <a:prstGeom prst="rect">
+            <a:avLst/>
+          </a:prstGeom>
         </p:spPr>
       </p:pic>
     </p:spTree>
